--- a/Crime_Busters_Presentation.pptx
+++ b/Crime_Busters_Presentation.pptx
@@ -218,7 +218,7 @@
           <a:p>
             <a:fld id="{DE6D1952-4C8C-594A-8D47-CC3EBD31CD69}" type="datetimeFigureOut">
               <a:rPr lang="en-US" smtClean="0"/>
-              <a:t>9/30/19</a:t>
+              <a:t>10/23/2019</a:t>
             </a:fld>
             <a:endParaRPr lang="en-US"/>
           </a:p>
@@ -384,7 +384,7 @@
           <a:p>
             <a:fld id="{5AE82BA9-193E-D440-8A2C-9653656F2AE3}" type="datetimeFigureOut">
               <a:rPr lang="en-US" smtClean="0"/>
-              <a:t>9/30/19</a:t>
+              <a:t>10/23/2019</a:t>
             </a:fld>
             <a:endParaRPr lang="en-US"/>
           </a:p>
@@ -693,7 +693,7 @@
             <a:fld id="{D3421027-4EC0-9C48-8CFB-B8A3104CB056}" type="datetime1">
               <a:rPr lang="en-US" smtClean="0"/>
               <a:pPr/>
-              <a:t>9/30/19</a:t>
+              <a:t>10/23/2019</a:t>
             </a:fld>
             <a:endParaRPr lang="en-US"/>
           </a:p>
@@ -971,7 +971,7 @@
             <a:fld id="{B362BA78-8688-C546-A03A-2A39F84C0B58}" type="datetime1">
               <a:rPr lang="en-US" smtClean="0"/>
               <a:pPr/>
-              <a:t>9/30/19</a:t>
+              <a:t>10/23/2019</a:t>
             </a:fld>
             <a:endParaRPr lang="en-US"/>
           </a:p>
@@ -1191,7 +1191,7 @@
             <a:fld id="{EF5B9135-15EF-DE46-84CC-16626B0FAF7F}" type="datetime1">
               <a:rPr lang="en-US" smtClean="0"/>
               <a:pPr/>
-              <a:t>9/30/19</a:t>
+              <a:t>10/23/2019</a:t>
             </a:fld>
             <a:endParaRPr lang="en-US"/>
           </a:p>
@@ -1439,7 +1439,7 @@
           <a:p>
             <a:fld id="{99477ADD-011F-3541-9724-9C7FC92455D5}" type="datetime1">
               <a:rPr lang="en-US" smtClean="0"/>
-              <a:t>9/30/19</a:t>
+              <a:t>10/23/2019</a:t>
             </a:fld>
             <a:endParaRPr lang="en-US"/>
           </a:p>
@@ -1811,7 +1811,7 @@
           <a:p>
             <a:fld id="{FA5DAB8B-8178-D047-869E-5A62AF236443}" type="datetime1">
               <a:rPr lang="en-US" smtClean="0"/>
-              <a:t>9/30/19</a:t>
+              <a:t>10/23/2019</a:t>
             </a:fld>
             <a:endParaRPr lang="en-US" dirty="0"/>
           </a:p>
@@ -2025,7 +2025,7 @@
             <a:fld id="{B9AB8213-A564-3C44-8CA0-968996562138}" type="datetime1">
               <a:rPr lang="en-US" smtClean="0"/>
               <a:pPr/>
-              <a:t>9/30/19</a:t>
+              <a:t>10/23/2019</a:t>
             </a:fld>
             <a:endParaRPr lang="en-US"/>
           </a:p>
@@ -2295,7 +2295,7 @@
             <a:fld id="{0A83DA12-03A5-114A-ABAE-78CD6BB6AC19}" type="datetime1">
               <a:rPr lang="en-US" smtClean="0"/>
               <a:pPr/>
-              <a:t>9/30/19</a:t>
+              <a:t>10/23/2019</a:t>
             </a:fld>
             <a:endParaRPr lang="en-US"/>
           </a:p>
@@ -2626,7 +2626,7 @@
             <a:fld id="{1FFF386F-14E4-954A-9EC2-E277FFD66D49}" type="datetime1">
               <a:rPr lang="en-US" smtClean="0"/>
               <a:pPr/>
-              <a:t>9/30/19</a:t>
+              <a:t>10/23/2019</a:t>
             </a:fld>
             <a:endParaRPr lang="en-US"/>
           </a:p>
@@ -3095,7 +3095,7 @@
             <a:fld id="{D8FFCF06-3344-8345-BEA6-DDAEFCC6ECCE}" type="datetime1">
               <a:rPr lang="en-US" smtClean="0"/>
               <a:pPr/>
-              <a:t>9/30/19</a:t>
+              <a:t>10/23/2019</a:t>
             </a:fld>
             <a:endParaRPr lang="en-US"/>
           </a:p>
@@ -3238,7 +3238,7 @@
             <a:fld id="{84C6D879-35D4-554E-9D6D-93E8130AA922}" type="datetime1">
               <a:rPr lang="en-US" smtClean="0"/>
               <a:pPr/>
-              <a:t>9/30/19</a:t>
+              <a:t>10/23/2019</a:t>
             </a:fld>
             <a:endParaRPr lang="en-US"/>
           </a:p>
@@ -3547,7 +3547,7 @@
             <a:fld id="{AB182AE3-760A-8E44-AB65-03A533386DFC}" type="datetime1">
               <a:rPr lang="en-US" smtClean="0"/>
               <a:pPr/>
-              <a:t>9/30/19</a:t>
+              <a:t>10/23/2019</a:t>
             </a:fld>
             <a:endParaRPr lang="en-US"/>
           </a:p>
@@ -3801,7 +3801,7 @@
           <a:p>
             <a:fld id="{D98C176C-065F-124D-AAA4-94F2B7A2EC7C}" type="datetime1">
               <a:rPr lang="en-US" smtClean="0"/>
-              <a:t>9/30/19</a:t>
+              <a:t>10/23/2019</a:t>
             </a:fld>
             <a:endParaRPr lang="en-US"/>
           </a:p>
@@ -7160,7 +7160,7 @@
         <p:spPr>
           <a:xfrm>
             <a:off x="1623283" y="5889963"/>
-            <a:ext cx="1075679" cy="369332"/>
+            <a:ext cx="1094915" cy="369332"/>
           </a:xfrm>
           <a:prstGeom prst="rect">
             <a:avLst/>
@@ -7179,7 +7179,7 @@
                   <a:schemeClr val="bg1"/>
                 </a:solidFill>
               </a:rPr>
-              <a:t>javascript</a:t>
+              <a:t>Javascript</a:t>
             </a:r>
             <a:endParaRPr lang="en-US" dirty="0">
               <a:solidFill>
